--- a/otel teoria/Day 1 session 4.1 Przeglad exporterow.pptx
+++ b/otel teoria/Day 1 session 4.1 Przeglad exporterow.pptx
@@ -274,7 +274,7 @@
           <a:p>
             <a:fld id="{62103242-C4CF-9C46-9C8F-6E3468592957}" type="datetimeFigureOut">
               <a:rPr lang="pl-PL" smtClean="0"/>
-              <a:t>1.10.2024</a:t>
+              <a:t>2.10.2024</a:t>
             </a:fld>
             <a:endParaRPr lang="pl-PL"/>
           </a:p>
@@ -474,7 +474,7 @@
           <a:p>
             <a:fld id="{62103242-C4CF-9C46-9C8F-6E3468592957}" type="datetimeFigureOut">
               <a:rPr lang="pl-PL" smtClean="0"/>
-              <a:t>1.10.2024</a:t>
+              <a:t>2.10.2024</a:t>
             </a:fld>
             <a:endParaRPr lang="pl-PL"/>
           </a:p>
@@ -684,7 +684,7 @@
           <a:p>
             <a:fld id="{62103242-C4CF-9C46-9C8F-6E3468592957}" type="datetimeFigureOut">
               <a:rPr lang="pl-PL" smtClean="0"/>
-              <a:t>1.10.2024</a:t>
+              <a:t>2.10.2024</a:t>
             </a:fld>
             <a:endParaRPr lang="pl-PL"/>
           </a:p>
@@ -884,7 +884,7 @@
           <a:p>
             <a:fld id="{62103242-C4CF-9C46-9C8F-6E3468592957}" type="datetimeFigureOut">
               <a:rPr lang="pl-PL" smtClean="0"/>
-              <a:t>1.10.2024</a:t>
+              <a:t>2.10.2024</a:t>
             </a:fld>
             <a:endParaRPr lang="pl-PL"/>
           </a:p>
@@ -1160,7 +1160,7 @@
           <a:p>
             <a:fld id="{62103242-C4CF-9C46-9C8F-6E3468592957}" type="datetimeFigureOut">
               <a:rPr lang="pl-PL" smtClean="0"/>
-              <a:t>1.10.2024</a:t>
+              <a:t>2.10.2024</a:t>
             </a:fld>
             <a:endParaRPr lang="pl-PL"/>
           </a:p>
@@ -1428,7 +1428,7 @@
           <a:p>
             <a:fld id="{62103242-C4CF-9C46-9C8F-6E3468592957}" type="datetimeFigureOut">
               <a:rPr lang="pl-PL" smtClean="0"/>
-              <a:t>1.10.2024</a:t>
+              <a:t>2.10.2024</a:t>
             </a:fld>
             <a:endParaRPr lang="pl-PL"/>
           </a:p>
@@ -1843,7 +1843,7 @@
           <a:p>
             <a:fld id="{62103242-C4CF-9C46-9C8F-6E3468592957}" type="datetimeFigureOut">
               <a:rPr lang="pl-PL" smtClean="0"/>
-              <a:t>1.10.2024</a:t>
+              <a:t>2.10.2024</a:t>
             </a:fld>
             <a:endParaRPr lang="pl-PL"/>
           </a:p>
@@ -1985,7 +1985,7 @@
           <a:p>
             <a:fld id="{62103242-C4CF-9C46-9C8F-6E3468592957}" type="datetimeFigureOut">
               <a:rPr lang="pl-PL" smtClean="0"/>
-              <a:t>1.10.2024</a:t>
+              <a:t>2.10.2024</a:t>
             </a:fld>
             <a:endParaRPr lang="pl-PL"/>
           </a:p>
@@ -2098,7 +2098,7 @@
           <a:p>
             <a:fld id="{62103242-C4CF-9C46-9C8F-6E3468592957}" type="datetimeFigureOut">
               <a:rPr lang="pl-PL" smtClean="0"/>
-              <a:t>1.10.2024</a:t>
+              <a:t>2.10.2024</a:t>
             </a:fld>
             <a:endParaRPr lang="pl-PL"/>
           </a:p>
@@ -2411,7 +2411,7 @@
           <a:p>
             <a:fld id="{62103242-C4CF-9C46-9C8F-6E3468592957}" type="datetimeFigureOut">
               <a:rPr lang="pl-PL" smtClean="0"/>
-              <a:t>1.10.2024</a:t>
+              <a:t>2.10.2024</a:t>
             </a:fld>
             <a:endParaRPr lang="pl-PL"/>
           </a:p>
@@ -2700,7 +2700,7 @@
           <a:p>
             <a:fld id="{62103242-C4CF-9C46-9C8F-6E3468592957}" type="datetimeFigureOut">
               <a:rPr lang="pl-PL" smtClean="0"/>
-              <a:t>1.10.2024</a:t>
+              <a:t>2.10.2024</a:t>
             </a:fld>
             <a:endParaRPr lang="pl-PL"/>
           </a:p>
@@ -2943,7 +2943,7 @@
           <a:p>
             <a:fld id="{62103242-C4CF-9C46-9C8F-6E3468592957}" type="datetimeFigureOut">
               <a:rPr lang="pl-PL" smtClean="0"/>
-              <a:t>1.10.2024</a:t>
+              <a:t>2.10.2024</a:t>
             </a:fld>
             <a:endParaRPr lang="pl-PL"/>
           </a:p>
@@ -3370,21 +3370,45 @@
             <p:ph type="ctrTitle"/>
           </p:nvPr>
         </p:nvSpPr>
-        <p:spPr/>
+        <p:spPr>
+          <a:xfrm>
+            <a:off x="1524000" y="1961349"/>
+            <a:ext cx="9144000" cy="2387600"/>
+          </a:xfrm>
+        </p:spPr>
         <p:txBody>
-          <a:bodyPr/>
+          <a:bodyPr>
+            <a:normAutofit fontScale="90000"/>
+          </a:bodyPr>
           <a:lstStyle/>
           <a:p>
             <a:r>
-              <a:rPr dirty="0" err="1"/>
+              <a:rPr lang="en-GB" dirty="0" err="1"/>
               <a:t>Szkolenie</a:t>
             </a:r>
             <a:r>
-              <a:rPr dirty="0"/>
+              <a:rPr lang="en-GB" dirty="0"/>
               <a:t> </a:t>
             </a:r>
-            <a:r>
-              <a:rPr dirty="0" err="1"/>
+            <a:br>
+              <a:rPr lang="en-GB" dirty="0"/>
+            </a:br>
+            <a:br>
+              <a:rPr lang="en-GB" dirty="0"/>
+            </a:br>
+            <a:r>
+              <a:rPr lang="en-GB" dirty="0" err="1"/>
+              <a:t>Instrumentacja</a:t>
+            </a:r>
+            <a:r>
+              <a:rPr lang="en-GB" dirty="0"/>
+              <a:t> </a:t>
+            </a:r>
+            <a:br>
+              <a:rPr lang="en-GB" dirty="0"/>
+            </a:br>
+            <a:r>
+              <a:rPr lang="en-GB" dirty="0"/>
               <a:t>OpenTelemetry</a:t>
             </a:r>
             <a:endParaRPr dirty="0"/>
@@ -3401,7 +3425,12 @@
             <p:ph type="subTitle" idx="1"/>
           </p:nvPr>
         </p:nvSpPr>
-        <p:spPr/>
+        <p:spPr>
+          <a:xfrm>
+            <a:off x="1524000" y="4827523"/>
+            <a:ext cx="9144000" cy="1655762"/>
+          </a:xfrm>
+        </p:spPr>
         <p:txBody>
           <a:bodyPr>
             <a:normAutofit/>
@@ -6121,12 +6150,12 @@
                     <a:p>
                       <a:pPr algn="l" fontAlgn="t"/>
                       <a:r>
-                        <a:rPr lang="en-GB" sz="1100" u="none" strike="noStrike">
+                        <a:rPr lang="en-GB" sz="1100" u="none" strike="noStrike" dirty="0">
                           <a:effectLst/>
                         </a:rPr>
                         <a:t>Traces, metrics, logs export in a unified format. Ideal for use with OpenTelemetry Collector and backends supporting OTLP.</a:t>
                       </a:r>
-                      <a:endParaRPr lang="en-GB" sz="1100" b="0" i="0" u="none" strike="noStrike">
+                      <a:endParaRPr lang="en-GB" sz="1100" b="0" i="0" u="none" strike="noStrike" dirty="0">
                         <a:solidFill>
                           <a:srgbClr val="000000"/>
                         </a:solidFill>
@@ -6266,12 +6295,12 @@
                     <a:p>
                       <a:pPr algn="l" fontAlgn="t"/>
                       <a:r>
-                        <a:rPr lang="en-GB" sz="1100" u="none" strike="noStrike">
+                        <a:rPr lang="en-GB" sz="1100" u="none" strike="noStrike" dirty="0">
                           <a:effectLst/>
                         </a:rPr>
                         <a:t>No</a:t>
                       </a:r>
-                      <a:endParaRPr lang="en-GB" sz="1100" b="0" i="0" u="none" strike="noStrike">
+                      <a:endParaRPr lang="en-GB" sz="1100" b="0" i="0" u="none" strike="noStrike" dirty="0">
                         <a:solidFill>
                           <a:srgbClr val="000000"/>
                         </a:solidFill>
@@ -7483,12 +7512,12 @@
                     <a:p>
                       <a:pPr algn="l" fontAlgn="t"/>
                       <a:r>
-                        <a:rPr lang="en-GB" sz="1100" u="none" strike="noStrike">
+                        <a:rPr lang="en-GB" sz="1100" u="none" strike="noStrike" dirty="0">
                           <a:effectLst/>
                         </a:rPr>
                         <a:t>Logs telemetry data (traces, metrics, logs) to local files or standard logs.</a:t>
                       </a:r>
-                      <a:endParaRPr lang="en-GB" sz="1100" b="0" i="0" u="none" strike="noStrike">
+                      <a:endParaRPr lang="en-GB" sz="1100" b="0" i="0" u="none" strike="noStrike" dirty="0">
                         <a:solidFill>
                           <a:srgbClr val="000000"/>
                         </a:solidFill>
@@ -8078,11 +8107,7 @@
           <a:p>
             <a:pPr marL="571500" lvl="1" indent="-171450"/>
             <a:r>
-              <a:rPr lang="pl-PL" sz="1400" dirty="0">
-                <a:highlight>
-                  <a:srgbClr val="00FF00"/>
-                </a:highlight>
-              </a:rPr>
+              <a:rPr lang="pl-PL" sz="1400" dirty="0"/>
               <a:t>Sesja 4: Zbieranie i Eksport Danych</a:t>
             </a:r>
           </a:p>
@@ -8388,289 +8413,6 @@
               <a:buNone/>
             </a:pPr>
             <a:endParaRPr lang="pl-PL" sz="1200" dirty="0"/>
-          </a:p>
-        </p:txBody>
-      </p:sp>
-      <p:sp>
-        <p:nvSpPr>
-          <p:cNvPr id="6" name="TextBox 5">
-            <a:extLst>
-              <a:ext uri="{FF2B5EF4-FFF2-40B4-BE49-F238E27FC236}">
-                <a16:creationId xmlns:a16="http://schemas.microsoft.com/office/drawing/2014/main" id="{446F6558-E0C8-C2B7-6012-579C08DA6427}"/>
-              </a:ext>
-            </a:extLst>
-          </p:cNvPr>
-          <p:cNvSpPr txBox="1"/>
-          <p:nvPr/>
-        </p:nvSpPr>
-        <p:spPr>
-          <a:xfrm>
-            <a:off x="2760863" y="3152829"/>
-            <a:ext cx="6670275" cy="1169551"/>
-          </a:xfrm>
-          <a:prstGeom prst="rect">
-            <a:avLst/>
-          </a:prstGeom>
-          <a:noFill/>
-        </p:spPr>
-        <p:txBody>
-          <a:bodyPr wrap="square">
-            <a:spAutoFit/>
-          </a:bodyPr>
-          <a:lstStyle/>
-          <a:p>
-            <a:r>
-              <a:rPr lang="pl-PL" sz="1000" dirty="0">
-                <a:latin typeface="Consolas" panose="020B0609020204030204" pitchFamily="49" charset="0"/>
-                <a:cs typeface="Consolas" panose="020B0609020204030204" pitchFamily="49" charset="0"/>
-              </a:rPr>
-              <a:t>from </a:t>
-            </a:r>
-            <a:r>
-              <a:rPr lang="pl-PL" sz="1000" dirty="0" err="1">
-                <a:latin typeface="Consolas" panose="020B0609020204030204" pitchFamily="49" charset="0"/>
-                <a:cs typeface="Consolas" panose="020B0609020204030204" pitchFamily="49" charset="0"/>
-              </a:rPr>
-              <a:t>opentelemetry.exporter.otlp.proto.grpc.exporter</a:t>
-            </a:r>
-            <a:r>
-              <a:rPr lang="pl-PL" sz="1000" dirty="0">
-                <a:latin typeface="Consolas" panose="020B0609020204030204" pitchFamily="49" charset="0"/>
-                <a:cs typeface="Consolas" panose="020B0609020204030204" pitchFamily="49" charset="0"/>
-              </a:rPr>
-              <a:t> import </a:t>
-            </a:r>
-            <a:r>
-              <a:rPr lang="pl-PL" sz="1000" dirty="0" err="1">
-                <a:latin typeface="Consolas" panose="020B0609020204030204" pitchFamily="49" charset="0"/>
-                <a:cs typeface="Consolas" panose="020B0609020204030204" pitchFamily="49" charset="0"/>
-              </a:rPr>
-              <a:t>OTLPMetricExporter</a:t>
-            </a:r>
-            <a:endParaRPr lang="pl-PL" sz="1000" dirty="0">
-              <a:latin typeface="Consolas" panose="020B0609020204030204" pitchFamily="49" charset="0"/>
-              <a:cs typeface="Consolas" panose="020B0609020204030204" pitchFamily="49" charset="0"/>
-            </a:endParaRPr>
-          </a:p>
-          <a:p>
-            <a:r>
-              <a:rPr lang="pl-PL" sz="1000" dirty="0">
-                <a:latin typeface="Consolas" panose="020B0609020204030204" pitchFamily="49" charset="0"/>
-                <a:cs typeface="Consolas" panose="020B0609020204030204" pitchFamily="49" charset="0"/>
-              </a:rPr>
-              <a:t>from </a:t>
-            </a:r>
-            <a:r>
-              <a:rPr lang="pl-PL" sz="1000" dirty="0" err="1">
-                <a:latin typeface="Consolas" panose="020B0609020204030204" pitchFamily="49" charset="0"/>
-                <a:cs typeface="Consolas" panose="020B0609020204030204" pitchFamily="49" charset="0"/>
-              </a:rPr>
-              <a:t>opentelemetry.sdk.metrics</a:t>
-            </a:r>
-            <a:r>
-              <a:rPr lang="pl-PL" sz="1000" dirty="0">
-                <a:latin typeface="Consolas" panose="020B0609020204030204" pitchFamily="49" charset="0"/>
-                <a:cs typeface="Consolas" panose="020B0609020204030204" pitchFamily="49" charset="0"/>
-              </a:rPr>
-              <a:t> import </a:t>
-            </a:r>
-            <a:r>
-              <a:rPr lang="pl-PL" sz="1000" dirty="0" err="1">
-                <a:latin typeface="Consolas" panose="020B0609020204030204" pitchFamily="49" charset="0"/>
-                <a:cs typeface="Consolas" panose="020B0609020204030204" pitchFamily="49" charset="0"/>
-              </a:rPr>
-              <a:t>MeterProvider</a:t>
-            </a:r>
-            <a:endParaRPr lang="pl-PL" sz="1000" dirty="0">
-              <a:latin typeface="Consolas" panose="020B0609020204030204" pitchFamily="49" charset="0"/>
-              <a:cs typeface="Consolas" panose="020B0609020204030204" pitchFamily="49" charset="0"/>
-            </a:endParaRPr>
-          </a:p>
-          <a:p>
-            <a:r>
-              <a:rPr lang="pl-PL" sz="1000" dirty="0">
-                <a:latin typeface="Consolas" panose="020B0609020204030204" pitchFamily="49" charset="0"/>
-                <a:cs typeface="Consolas" panose="020B0609020204030204" pitchFamily="49" charset="0"/>
-              </a:rPr>
-              <a:t>from </a:t>
-            </a:r>
-            <a:r>
-              <a:rPr lang="pl-PL" sz="1000" dirty="0" err="1">
-                <a:latin typeface="Consolas" panose="020B0609020204030204" pitchFamily="49" charset="0"/>
-                <a:cs typeface="Consolas" panose="020B0609020204030204" pitchFamily="49" charset="0"/>
-              </a:rPr>
-              <a:t>opentelemetry.sdk.metrics.export</a:t>
-            </a:r>
-            <a:r>
-              <a:rPr lang="pl-PL" sz="1000" dirty="0">
-                <a:latin typeface="Consolas" panose="020B0609020204030204" pitchFamily="49" charset="0"/>
-                <a:cs typeface="Consolas" panose="020B0609020204030204" pitchFamily="49" charset="0"/>
-              </a:rPr>
-              <a:t> import </a:t>
-            </a:r>
-            <a:r>
-              <a:rPr lang="pl-PL" sz="1000" dirty="0" err="1">
-                <a:latin typeface="Consolas" panose="020B0609020204030204" pitchFamily="49" charset="0"/>
-                <a:cs typeface="Consolas" panose="020B0609020204030204" pitchFamily="49" charset="0"/>
-              </a:rPr>
-              <a:t>PeriodicExportingMetricReader</a:t>
-            </a:r>
-            <a:endParaRPr lang="pl-PL" sz="1000" dirty="0">
-              <a:latin typeface="Consolas" panose="020B0609020204030204" pitchFamily="49" charset="0"/>
-              <a:cs typeface="Consolas" panose="020B0609020204030204" pitchFamily="49" charset="0"/>
-            </a:endParaRPr>
-          </a:p>
-          <a:p>
-            <a:endParaRPr lang="pl-PL" sz="1000" dirty="0">
-              <a:latin typeface="Consolas" panose="020B0609020204030204" pitchFamily="49" charset="0"/>
-              <a:cs typeface="Consolas" panose="020B0609020204030204" pitchFamily="49" charset="0"/>
-            </a:endParaRPr>
-          </a:p>
-          <a:p>
-            <a:r>
-              <a:rPr lang="pl-PL" sz="1000" dirty="0" err="1">
-                <a:latin typeface="Consolas" panose="020B0609020204030204" pitchFamily="49" charset="0"/>
-                <a:cs typeface="Consolas" panose="020B0609020204030204" pitchFamily="49" charset="0"/>
-              </a:rPr>
-              <a:t>exporter</a:t>
-            </a:r>
-            <a:r>
-              <a:rPr lang="pl-PL" sz="1000" dirty="0">
-                <a:latin typeface="Consolas" panose="020B0609020204030204" pitchFamily="49" charset="0"/>
-                <a:cs typeface="Consolas" panose="020B0609020204030204" pitchFamily="49" charset="0"/>
-              </a:rPr>
-              <a:t> = </a:t>
-            </a:r>
-            <a:r>
-              <a:rPr lang="pl-PL" sz="1000" dirty="0" err="1">
-                <a:latin typeface="Consolas" panose="020B0609020204030204" pitchFamily="49" charset="0"/>
-                <a:cs typeface="Consolas" panose="020B0609020204030204" pitchFamily="49" charset="0"/>
-              </a:rPr>
-              <a:t>OTLPMetricExporter</a:t>
-            </a:r>
-            <a:r>
-              <a:rPr lang="pl-PL" sz="1000" dirty="0">
-                <a:latin typeface="Consolas" panose="020B0609020204030204" pitchFamily="49" charset="0"/>
-                <a:cs typeface="Consolas" panose="020B0609020204030204" pitchFamily="49" charset="0"/>
-              </a:rPr>
-              <a:t>(</a:t>
-            </a:r>
-            <a:r>
-              <a:rPr lang="pl-PL" sz="1000" dirty="0" err="1">
-                <a:latin typeface="Consolas" panose="020B0609020204030204" pitchFamily="49" charset="0"/>
-                <a:cs typeface="Consolas" panose="020B0609020204030204" pitchFamily="49" charset="0"/>
-              </a:rPr>
-              <a:t>endpoint</a:t>
-            </a:r>
-            <a:r>
-              <a:rPr lang="pl-PL" sz="1000" dirty="0">
-                <a:latin typeface="Consolas" panose="020B0609020204030204" pitchFamily="49" charset="0"/>
-                <a:cs typeface="Consolas" panose="020B0609020204030204" pitchFamily="49" charset="0"/>
-              </a:rPr>
-              <a:t>="localhost:4317")</a:t>
-            </a:r>
-          </a:p>
-          <a:p>
-            <a:r>
-              <a:rPr lang="pl-PL" sz="1000" dirty="0" err="1">
-                <a:latin typeface="Consolas" panose="020B0609020204030204" pitchFamily="49" charset="0"/>
-                <a:cs typeface="Consolas" panose="020B0609020204030204" pitchFamily="49" charset="0"/>
-              </a:rPr>
-              <a:t>reader</a:t>
-            </a:r>
-            <a:r>
-              <a:rPr lang="pl-PL" sz="1000" dirty="0">
-                <a:latin typeface="Consolas" panose="020B0609020204030204" pitchFamily="49" charset="0"/>
-                <a:cs typeface="Consolas" panose="020B0609020204030204" pitchFamily="49" charset="0"/>
-              </a:rPr>
-              <a:t> = </a:t>
-            </a:r>
-            <a:r>
-              <a:rPr lang="pl-PL" sz="1000" dirty="0" err="1">
-                <a:latin typeface="Consolas" panose="020B0609020204030204" pitchFamily="49" charset="0"/>
-                <a:cs typeface="Consolas" panose="020B0609020204030204" pitchFamily="49" charset="0"/>
-              </a:rPr>
-              <a:t>PeriodicExportingMetricReader</a:t>
-            </a:r>
-            <a:r>
-              <a:rPr lang="pl-PL" sz="1000" dirty="0">
-                <a:latin typeface="Consolas" panose="020B0609020204030204" pitchFamily="49" charset="0"/>
-                <a:cs typeface="Consolas" panose="020B0609020204030204" pitchFamily="49" charset="0"/>
-              </a:rPr>
-              <a:t>(</a:t>
-            </a:r>
-            <a:r>
-              <a:rPr lang="pl-PL" sz="1000" dirty="0" err="1">
-                <a:latin typeface="Consolas" panose="020B0609020204030204" pitchFamily="49" charset="0"/>
-                <a:cs typeface="Consolas" panose="020B0609020204030204" pitchFamily="49" charset="0"/>
-              </a:rPr>
-              <a:t>exporter</a:t>
-            </a:r>
-            <a:r>
-              <a:rPr lang="pl-PL" sz="1000" dirty="0">
-                <a:latin typeface="Consolas" panose="020B0609020204030204" pitchFamily="49" charset="0"/>
-                <a:cs typeface="Consolas" panose="020B0609020204030204" pitchFamily="49" charset="0"/>
-              </a:rPr>
-              <a:t>)</a:t>
-            </a:r>
-          </a:p>
-          <a:p>
-            <a:r>
-              <a:rPr lang="pl-PL" sz="1000" dirty="0" err="1">
-                <a:latin typeface="Consolas" panose="020B0609020204030204" pitchFamily="49" charset="0"/>
-                <a:cs typeface="Consolas" panose="020B0609020204030204" pitchFamily="49" charset="0"/>
-              </a:rPr>
-              <a:t>meter_provider</a:t>
-            </a:r>
-            <a:r>
-              <a:rPr lang="pl-PL" sz="1000" dirty="0">
-                <a:latin typeface="Consolas" panose="020B0609020204030204" pitchFamily="49" charset="0"/>
-                <a:cs typeface="Consolas" panose="020B0609020204030204" pitchFamily="49" charset="0"/>
-              </a:rPr>
-              <a:t> = </a:t>
-            </a:r>
-            <a:r>
-              <a:rPr lang="pl-PL" sz="1000" dirty="0" err="1">
-                <a:latin typeface="Consolas" panose="020B0609020204030204" pitchFamily="49" charset="0"/>
-                <a:cs typeface="Consolas" panose="020B0609020204030204" pitchFamily="49" charset="0"/>
-              </a:rPr>
-              <a:t>MeterProvider</a:t>
-            </a:r>
-            <a:r>
-              <a:rPr lang="pl-PL" sz="1000" dirty="0">
-                <a:latin typeface="Consolas" panose="020B0609020204030204" pitchFamily="49" charset="0"/>
-                <a:cs typeface="Consolas" panose="020B0609020204030204" pitchFamily="49" charset="0"/>
-              </a:rPr>
-              <a:t>(</a:t>
-            </a:r>
-            <a:r>
-              <a:rPr lang="pl-PL" sz="1000" dirty="0" err="1">
-                <a:latin typeface="Consolas" panose="020B0609020204030204" pitchFamily="49" charset="0"/>
-                <a:cs typeface="Consolas" panose="020B0609020204030204" pitchFamily="49" charset="0"/>
-              </a:rPr>
-              <a:t>metric_readers</a:t>
-            </a:r>
-            <a:r>
-              <a:rPr lang="pl-PL" sz="1000" dirty="0">
-                <a:latin typeface="Consolas" panose="020B0609020204030204" pitchFamily="49" charset="0"/>
-                <a:cs typeface="Consolas" panose="020B0609020204030204" pitchFamily="49" charset="0"/>
-              </a:rPr>
-              <a:t>=[</a:t>
-            </a:r>
-            <a:r>
-              <a:rPr lang="pl-PL" sz="1000" dirty="0" err="1">
-                <a:latin typeface="Consolas" panose="020B0609020204030204" pitchFamily="49" charset="0"/>
-                <a:cs typeface="Consolas" panose="020B0609020204030204" pitchFamily="49" charset="0"/>
-              </a:rPr>
-              <a:t>reader</a:t>
-            </a:r>
-            <a:r>
-              <a:rPr lang="pl-PL" sz="1000" dirty="0">
-                <a:latin typeface="Consolas" panose="020B0609020204030204" pitchFamily="49" charset="0"/>
-                <a:cs typeface="Consolas" panose="020B0609020204030204" pitchFamily="49" charset="0"/>
-              </a:rPr>
-              <a:t>])</a:t>
-            </a:r>
           </a:p>
         </p:txBody>
       </p:sp>
